--- a/Presentations/Wifi and Internet Security.pptx
+++ b/Presentations/Wifi and Internet Security.pptx
@@ -2723,7 +2723,7 @@
             <a:fld id="{5586B75A-687E-405C-8A0B-8D00578BA2C3}" type="datetimeFigureOut">
               <a:rPr lang="en-US" dirty="0"/>
               <a:pPr/>
-              <a:t>3/14/22</a:t>
+              <a:t>4/3/22</a:t>
             </a:fld>
             <a:endParaRPr lang="en-US" dirty="0"/>
           </a:p>
@@ -2890,7 +2890,7 @@
             <a:fld id="{5586B75A-687E-405C-8A0B-8D00578BA2C3}" type="datetimeFigureOut">
               <a:rPr lang="en-US" dirty="0"/>
               <a:pPr/>
-              <a:t>3/14/22</a:t>
+              <a:t>4/3/22</a:t>
             </a:fld>
             <a:endParaRPr lang="en-US" dirty="0"/>
           </a:p>
@@ -3067,7 +3067,7 @@
             <a:fld id="{5586B75A-687E-405C-8A0B-8D00578BA2C3}" type="datetimeFigureOut">
               <a:rPr lang="en-US" dirty="0"/>
               <a:pPr/>
-              <a:t>3/14/22</a:t>
+              <a:t>4/3/22</a:t>
             </a:fld>
             <a:endParaRPr lang="en-US" dirty="0"/>
           </a:p>
@@ -3234,7 +3234,7 @@
             <a:fld id="{5586B75A-687E-405C-8A0B-8D00578BA2C3}" type="datetimeFigureOut">
               <a:rPr lang="en-US" dirty="0"/>
               <a:pPr/>
-              <a:t>3/14/22</a:t>
+              <a:t>4/3/22</a:t>
             </a:fld>
             <a:endParaRPr lang="en-US" dirty="0"/>
           </a:p>
@@ -3489,7 +3489,7 @@
             <a:fld id="{5586B75A-687E-405C-8A0B-8D00578BA2C3}" type="datetimeFigureOut">
               <a:rPr lang="en-US" dirty="0"/>
               <a:pPr/>
-              <a:t>3/14/22</a:t>
+              <a:t>4/3/22</a:t>
             </a:fld>
             <a:endParaRPr lang="en-US" dirty="0"/>
           </a:p>
@@ -3774,7 +3774,7 @@
             <a:fld id="{5586B75A-687E-405C-8A0B-8D00578BA2C3}" type="datetimeFigureOut">
               <a:rPr lang="en-US" dirty="0"/>
               <a:pPr/>
-              <a:t>3/14/22</a:t>
+              <a:t>4/3/22</a:t>
             </a:fld>
             <a:endParaRPr lang="en-US" dirty="0"/>
           </a:p>
@@ -4213,7 +4213,7 @@
             <a:fld id="{5586B75A-687E-405C-8A0B-8D00578BA2C3}" type="datetimeFigureOut">
               <a:rPr lang="en-US" dirty="0"/>
               <a:pPr/>
-              <a:t>3/14/22</a:t>
+              <a:t>4/3/22</a:t>
             </a:fld>
             <a:endParaRPr lang="en-US" dirty="0"/>
           </a:p>
@@ -4328,7 +4328,7 @@
             <a:fld id="{5586B75A-687E-405C-8A0B-8D00578BA2C3}" type="datetimeFigureOut">
               <a:rPr lang="en-US" dirty="0"/>
               <a:pPr/>
-              <a:t>3/14/22</a:t>
+              <a:t>4/3/22</a:t>
             </a:fld>
             <a:endParaRPr lang="en-US" dirty="0"/>
           </a:p>
@@ -4420,7 +4420,7 @@
             <a:fld id="{5586B75A-687E-405C-8A0B-8D00578BA2C3}" type="datetimeFigureOut">
               <a:rPr lang="en-US" dirty="0"/>
               <a:pPr/>
-              <a:t>3/14/22</a:t>
+              <a:t>4/3/22</a:t>
             </a:fld>
             <a:endParaRPr lang="en-US" dirty="0"/>
           </a:p>
@@ -4705,7 +4705,7 @@
             <a:fld id="{5586B75A-687E-405C-8A0B-8D00578BA2C3}" type="datetimeFigureOut">
               <a:rPr lang="en-US" dirty="0"/>
               <a:pPr/>
-              <a:t>3/14/22</a:t>
+              <a:t>4/3/22</a:t>
             </a:fld>
             <a:endParaRPr lang="en-US" dirty="0"/>
           </a:p>
@@ -4975,7 +4975,7 @@
             <a:fld id="{5586B75A-687E-405C-8A0B-8D00578BA2C3}" type="datetimeFigureOut">
               <a:rPr lang="en-US" dirty="0"/>
               <a:pPr/>
-              <a:t>3/14/22</a:t>
+              <a:t>4/3/22</a:t>
             </a:fld>
             <a:endParaRPr lang="en-US" dirty="0"/>
           </a:p>
@@ -5269,7 +5269,7 @@
             <a:fld id="{5586B75A-687E-405C-8A0B-8D00578BA2C3}" type="datetimeFigureOut">
               <a:rPr lang="en-US" dirty="0"/>
               <a:pPr/>
-              <a:t>3/14/22</a:t>
+              <a:t>4/3/22</a:t>
             </a:fld>
             <a:endParaRPr lang="en-US" dirty="0"/>
           </a:p>
@@ -6437,6 +6437,71 @@
           </a:p>
         </p:txBody>
       </p:sp>
+      <p:sp>
+        <p:nvSpPr>
+          <p:cNvPr id="4" name="TextBox 3">
+            <a:extLst>
+              <a:ext uri="{FF2B5EF4-FFF2-40B4-BE49-F238E27FC236}">
+                <a16:creationId xmlns:a16="http://schemas.microsoft.com/office/drawing/2014/main" id="{FF8ED84F-667E-D64D-9DAE-C1161EABDB87}"/>
+              </a:ext>
+            </a:extLst>
+          </p:cNvPr>
+          <p:cNvSpPr txBox="1"/>
+          <p:nvPr/>
+        </p:nvSpPr>
+        <p:spPr>
+          <a:xfrm>
+            <a:off x="0" y="6448736"/>
+            <a:ext cx="11887200" cy="400110"/>
+          </a:xfrm>
+          <a:prstGeom prst="rect">
+            <a:avLst/>
+          </a:prstGeom>
+          <a:noFill/>
+        </p:spPr>
+        <p:txBody>
+          <a:bodyPr wrap="square" rtlCol="0">
+            <a:spAutoFit/>
+          </a:bodyPr>
+          <a:lstStyle/>
+          <a:p>
+            <a:r>
+              <a:rPr lang="en-US" sz="1000" dirty="0"/>
+              <a:t>https://goodspeed.io/blog/7-dangers-of-public-wifi.html</a:t>
+            </a:r>
+          </a:p>
+          <a:p>
+            <a:r>
+              <a:rPr lang="en-US" sz="1000" dirty="0"/>
+              <a:t>https://</a:t>
+            </a:r>
+            <a:r>
+              <a:rPr lang="en-US" sz="1000" dirty="0" err="1"/>
+              <a:t>www.pandasecurity.com</a:t>
+            </a:r>
+            <a:r>
+              <a:rPr lang="en-US" sz="1000" dirty="0"/>
+              <a:t>/</a:t>
+            </a:r>
+            <a:r>
+              <a:rPr lang="en-US" sz="1000" dirty="0" err="1"/>
+              <a:t>en</a:t>
+            </a:r>
+            <a:r>
+              <a:rPr lang="en-US" sz="1000" dirty="0"/>
+              <a:t>/</a:t>
+            </a:r>
+            <a:r>
+              <a:rPr lang="en-US" sz="1000" dirty="0" err="1"/>
+              <a:t>mediacenter</a:t>
+            </a:r>
+            <a:r>
+              <a:rPr lang="en-US" sz="1000" dirty="0"/>
+              <a:t>/security/what-is-an-evil-twin-attack/</a:t>
+            </a:r>
+          </a:p>
+        </p:txBody>
+      </p:sp>
     </p:spTree>
     <p:extLst>
       <p:ext uri="{BB962C8B-B14F-4D97-AF65-F5344CB8AC3E}">
@@ -6657,7 +6722,7 @@
                   <a:schemeClr val="tx1"/>
                 </a:solidFill>
               </a:rPr>
-              <a:t>Update Privacy settings on your browser</a:t>
+              <a:t>Use anti-virus</a:t>
             </a:r>
           </a:p>
           <a:p>
@@ -6677,7 +6742,66 @@
                   <a:schemeClr val="tx1"/>
                 </a:solidFill>
               </a:rPr>
-              <a:t>Be careful of the sites you go to and the software that you download</a:t>
+              <a:t>Be careful of the sites you go to and the software that you download (Only go to https sites)</a:t>
+            </a:r>
+          </a:p>
+        </p:txBody>
+      </p:sp>
+      <p:sp>
+        <p:nvSpPr>
+          <p:cNvPr id="6" name="TextBox 5">
+            <a:extLst>
+              <a:ext uri="{FF2B5EF4-FFF2-40B4-BE49-F238E27FC236}">
+                <a16:creationId xmlns:a16="http://schemas.microsoft.com/office/drawing/2014/main" id="{F0ACF192-63F2-D446-97C7-8B838C81ED97}"/>
+              </a:ext>
+            </a:extLst>
+          </p:cNvPr>
+          <p:cNvSpPr txBox="1"/>
+          <p:nvPr/>
+        </p:nvSpPr>
+        <p:spPr>
+          <a:xfrm>
+            <a:off x="0" y="6611769"/>
+            <a:ext cx="11887200" cy="246221"/>
+          </a:xfrm>
+          <a:prstGeom prst="rect">
+            <a:avLst/>
+          </a:prstGeom>
+          <a:noFill/>
+        </p:spPr>
+        <p:txBody>
+          <a:bodyPr wrap="square" rtlCol="0">
+            <a:spAutoFit/>
+          </a:bodyPr>
+          <a:lstStyle/>
+          <a:p>
+            <a:r>
+              <a:rPr lang="en-US" sz="1000" dirty="0"/>
+              <a:t>https://</a:t>
+            </a:r>
+            <a:r>
+              <a:rPr lang="en-US" sz="1000" dirty="0" err="1"/>
+              <a:t>www.forbes.com</a:t>
+            </a:r>
+            <a:r>
+              <a:rPr lang="en-US" sz="1000" dirty="0"/>
+              <a:t>/sites/</a:t>
+            </a:r>
+            <a:r>
+              <a:rPr lang="en-US" sz="1000" dirty="0" err="1"/>
+              <a:t>tjmccue</a:t>
+            </a:r>
+            <a:r>
+              <a:rPr lang="en-US" sz="1000" dirty="0"/>
+              <a:t>/2019/06/28/from-airports-to-the-library-5-steps-to-protect-yourself-on-free-public-wifi/?</a:t>
+            </a:r>
+            <a:r>
+              <a:rPr lang="en-US" sz="1000" dirty="0" err="1"/>
+              <a:t>sh</a:t>
+            </a:r>
+            <a:r>
+              <a:rPr lang="en-US" sz="1000" dirty="0"/>
+              <a:t>=64cf58412a02</a:t>
             </a:r>
           </a:p>
         </p:txBody>
@@ -6972,6 +7096,65 @@
                 <a:schemeClr val="tx1"/>
               </a:solidFill>
             </a:endParaRPr>
+          </a:p>
+        </p:txBody>
+      </p:sp>
+      <p:sp>
+        <p:nvSpPr>
+          <p:cNvPr id="6" name="TextBox 5">
+            <a:extLst>
+              <a:ext uri="{FF2B5EF4-FFF2-40B4-BE49-F238E27FC236}">
+                <a16:creationId xmlns:a16="http://schemas.microsoft.com/office/drawing/2014/main" id="{B55A7173-6C8E-4F41-8755-1733E38837B5}"/>
+              </a:ext>
+            </a:extLst>
+          </p:cNvPr>
+          <p:cNvSpPr txBox="1"/>
+          <p:nvPr/>
+        </p:nvSpPr>
+        <p:spPr>
+          <a:xfrm>
+            <a:off x="0" y="6611769"/>
+            <a:ext cx="11887200" cy="246221"/>
+          </a:xfrm>
+          <a:prstGeom prst="rect">
+            <a:avLst/>
+          </a:prstGeom>
+          <a:noFill/>
+        </p:spPr>
+        <p:txBody>
+          <a:bodyPr wrap="square" rtlCol="0">
+            <a:spAutoFit/>
+          </a:bodyPr>
+          <a:lstStyle/>
+          <a:p>
+            <a:r>
+              <a:rPr lang="en-US" sz="1000" dirty="0"/>
+              <a:t>https://</a:t>
+            </a:r>
+            <a:r>
+              <a:rPr lang="en-US" sz="1000" dirty="0" err="1"/>
+              <a:t>www.forbes.com</a:t>
+            </a:r>
+            <a:r>
+              <a:rPr lang="en-US" sz="1000" dirty="0"/>
+              <a:t>/sites/</a:t>
+            </a:r>
+            <a:r>
+              <a:rPr lang="en-US" sz="1000" dirty="0" err="1"/>
+              <a:t>tjmccue</a:t>
+            </a:r>
+            <a:r>
+              <a:rPr lang="en-US" sz="1000" dirty="0"/>
+              <a:t>/2019/06/28/from-airports-to-the-library-5-steps-to-protect-yourself-on-free-public-wifi/?</a:t>
+            </a:r>
+            <a:r>
+              <a:rPr lang="en-US" sz="1000" dirty="0" err="1"/>
+              <a:t>sh</a:t>
+            </a:r>
+            <a:r>
+              <a:rPr lang="en-US" sz="1000" dirty="0"/>
+              <a:t>=64cf58412a02</a:t>
+            </a:r>
           </a:p>
         </p:txBody>
       </p:sp>
